--- a/Documents/Plan_Task1.pptx
+++ b/Documents/Plan_Task1.pptx
@@ -261,7 +261,7 @@
           <a:lstStyle/>
           <a:p>
             <a:fld id="{803220A4-8895-6D46-A558-2CE2469121C7}" type="datetimeFigureOut">
-              <a:t>10/11/19</a:t>
+              <a:t>10/21/19</a:t>
             </a:fld>
             <a:endParaRPr lang="en-US"/>
           </a:p>
@@ -459,7 +459,7 @@
           <a:lstStyle/>
           <a:p>
             <a:fld id="{803220A4-8895-6D46-A558-2CE2469121C7}" type="datetimeFigureOut">
-              <a:t>10/11/19</a:t>
+              <a:t>10/21/19</a:t>
             </a:fld>
             <a:endParaRPr lang="en-US"/>
           </a:p>
@@ -667,7 +667,7 @@
           <a:lstStyle/>
           <a:p>
             <a:fld id="{803220A4-8895-6D46-A558-2CE2469121C7}" type="datetimeFigureOut">
-              <a:t>10/11/19</a:t>
+              <a:t>10/21/19</a:t>
             </a:fld>
             <a:endParaRPr lang="en-US"/>
           </a:p>
@@ -865,7 +865,7 @@
           <a:lstStyle/>
           <a:p>
             <a:fld id="{803220A4-8895-6D46-A558-2CE2469121C7}" type="datetimeFigureOut">
-              <a:t>10/11/19</a:t>
+              <a:t>10/21/19</a:t>
             </a:fld>
             <a:endParaRPr lang="en-US"/>
           </a:p>
@@ -1139,7 +1139,7 @@
           <a:lstStyle/>
           <a:p>
             <a:fld id="{803220A4-8895-6D46-A558-2CE2469121C7}" type="datetimeFigureOut">
-              <a:t>10/11/19</a:t>
+              <a:t>10/21/19</a:t>
             </a:fld>
             <a:endParaRPr lang="en-US"/>
           </a:p>
@@ -1405,7 +1405,7 @@
           <a:lstStyle/>
           <a:p>
             <a:fld id="{803220A4-8895-6D46-A558-2CE2469121C7}" type="datetimeFigureOut">
-              <a:t>10/11/19</a:t>
+              <a:t>10/21/19</a:t>
             </a:fld>
             <a:endParaRPr lang="en-US"/>
           </a:p>
@@ -1818,7 +1818,7 @@
           <a:lstStyle/>
           <a:p>
             <a:fld id="{803220A4-8895-6D46-A558-2CE2469121C7}" type="datetimeFigureOut">
-              <a:t>10/11/19</a:t>
+              <a:t>10/21/19</a:t>
             </a:fld>
             <a:endParaRPr lang="en-US"/>
           </a:p>
@@ -1958,7 +1958,7 @@
           <a:lstStyle/>
           <a:p>
             <a:fld id="{803220A4-8895-6D46-A558-2CE2469121C7}" type="datetimeFigureOut">
-              <a:t>10/11/19</a:t>
+              <a:t>10/21/19</a:t>
             </a:fld>
             <a:endParaRPr lang="en-US"/>
           </a:p>
@@ -2069,7 +2069,7 @@
           <a:lstStyle/>
           <a:p>
             <a:fld id="{803220A4-8895-6D46-A558-2CE2469121C7}" type="datetimeFigureOut">
-              <a:t>10/11/19</a:t>
+              <a:t>10/21/19</a:t>
             </a:fld>
             <a:endParaRPr lang="en-US"/>
           </a:p>
@@ -2380,7 +2380,7 @@
           <a:lstStyle/>
           <a:p>
             <a:fld id="{803220A4-8895-6D46-A558-2CE2469121C7}" type="datetimeFigureOut">
-              <a:t>10/11/19</a:t>
+              <a:t>10/21/19</a:t>
             </a:fld>
             <a:endParaRPr lang="en-US"/>
           </a:p>
@@ -2667,7 +2667,7 @@
           <a:lstStyle/>
           <a:p>
             <a:fld id="{803220A4-8895-6D46-A558-2CE2469121C7}" type="datetimeFigureOut">
-              <a:t>10/11/19</a:t>
+              <a:t>10/21/19</a:t>
             </a:fld>
             <a:endParaRPr lang="en-US"/>
           </a:p>
@@ -2908,7 +2908,7 @@
           </a:lstStyle>
           <a:p>
             <a:fld id="{803220A4-8895-6D46-A558-2CE2469121C7}" type="datetimeFigureOut">
-              <a:t>10/11/19</a:t>
+              <a:t>10/21/19</a:t>
             </a:fld>
             <a:endParaRPr lang="en-US"/>
           </a:p>
@@ -3445,7 +3445,7 @@
             <a:pPr algn="ctr"/>
             <a:r>
               <a:rPr lang="en-US"/>
-              <a:t>move.1</a:t>
+              <a:t>move.n.1</a:t>
             </a:r>
           </a:p>
         </p:txBody>
@@ -3492,7 +3492,7 @@
             <a:pPr algn="ctr"/>
             <a:r>
               <a:rPr lang="en-US"/>
-              <a:t>Move.2</a:t>
+              <a:t>Move.v.2</a:t>
             </a:r>
           </a:p>
         </p:txBody>
@@ -4487,14 +4487,14 @@
           <a:p>
             <a:pPr algn="ctr"/>
             <a:r>
-              <a:rPr lang="en-US"/>
+              <a:rPr lang="en-US" b="1"/>
               <a:t>move.</a:t>
             </a:r>
             <a:br>
-              <a:rPr lang="en-US"/>
+              <a:rPr lang="en-US" b="1"/>
             </a:br>
             <a:r>
-              <a:rPr lang="en-US"/>
+              <a:rPr lang="en-US" b="1"/>
               <a:t>global</a:t>
             </a:r>
           </a:p>
@@ -5623,6 +5623,174 @@
             </a:br>
             <a:r>
               <a:rPr lang="en-US"/>
+              <a:t>global</a:t>
+            </a:r>
+          </a:p>
+        </p:txBody>
+      </p:sp>
+      <p:sp>
+        <p:nvSpPr>
+          <p:cNvPr id="54" name="Rectangle 53">
+            <a:extLst>
+              <a:ext uri="{FF2B5EF4-FFF2-40B4-BE49-F238E27FC236}">
+                <a16:creationId xmlns:a16="http://schemas.microsoft.com/office/drawing/2014/main" id="{E226DDB9-5CBD-A140-BD20-93CF73CF776D}"/>
+              </a:ext>
+            </a:extLst>
+          </p:cNvPr>
+          <p:cNvSpPr/>
+          <p:nvPr/>
+        </p:nvSpPr>
+        <p:spPr>
+          <a:xfrm>
+            <a:off x="1051325" y="4396116"/>
+            <a:ext cx="963827" cy="815546"/>
+          </a:xfrm>
+          <a:prstGeom prst="rect">
+            <a:avLst/>
+          </a:prstGeom>
+        </p:spPr>
+        <p:style>
+          <a:lnRef idx="2">
+            <a:schemeClr val="accent4">
+              <a:shade val="50000"/>
+            </a:schemeClr>
+          </a:lnRef>
+          <a:fillRef idx="1">
+            <a:schemeClr val="accent4"/>
+          </a:fillRef>
+          <a:effectRef idx="0">
+            <a:schemeClr val="accent4"/>
+          </a:effectRef>
+          <a:fontRef idx="minor">
+            <a:schemeClr val="lt1"/>
+          </a:fontRef>
+        </p:style>
+        <p:txBody>
+          <a:bodyPr rtlCol="0" anchor="ctr"/>
+          <a:lstStyle/>
+          <a:p>
+            <a:pPr algn="ctr"/>
+            <a:r>
+              <a:rPr lang="en-US" b="1"/>
+              <a:t>moved.</a:t>
+            </a:r>
+            <a:br>
+              <a:rPr lang="en-US" b="1"/>
+            </a:br>
+            <a:r>
+              <a:rPr lang="en-US" b="1"/>
+              <a:t>global</a:t>
+            </a:r>
+          </a:p>
+        </p:txBody>
+      </p:sp>
+      <p:sp>
+        <p:nvSpPr>
+          <p:cNvPr id="55" name="Rectangle 54">
+            <a:extLst>
+              <a:ext uri="{FF2B5EF4-FFF2-40B4-BE49-F238E27FC236}">
+                <a16:creationId xmlns:a16="http://schemas.microsoft.com/office/drawing/2014/main" id="{75F200DA-D550-844B-B4F3-875CEC1F3B8B}"/>
+              </a:ext>
+            </a:extLst>
+          </p:cNvPr>
+          <p:cNvSpPr/>
+          <p:nvPr/>
+        </p:nvSpPr>
+        <p:spPr>
+          <a:xfrm>
+            <a:off x="2357741" y="4406202"/>
+            <a:ext cx="963827" cy="815546"/>
+          </a:xfrm>
+          <a:prstGeom prst="rect">
+            <a:avLst/>
+          </a:prstGeom>
+        </p:spPr>
+        <p:style>
+          <a:lnRef idx="2">
+            <a:schemeClr val="accent4">
+              <a:shade val="50000"/>
+            </a:schemeClr>
+          </a:lnRef>
+          <a:fillRef idx="1">
+            <a:schemeClr val="accent4"/>
+          </a:fillRef>
+          <a:effectRef idx="0">
+            <a:schemeClr val="accent4"/>
+          </a:effectRef>
+          <a:fontRef idx="minor">
+            <a:schemeClr val="lt1"/>
+          </a:fontRef>
+        </p:style>
+        <p:txBody>
+          <a:bodyPr rtlCol="0" anchor="ctr"/>
+          <a:lstStyle/>
+          <a:p>
+            <a:pPr algn="ctr"/>
+            <a:r>
+              <a:rPr lang="en-US" b="1"/>
+              <a:t>moves.</a:t>
+            </a:r>
+            <a:br>
+              <a:rPr lang="en-US" b="1"/>
+            </a:br>
+            <a:r>
+              <a:rPr lang="en-US" b="1"/>
+              <a:t>global</a:t>
+            </a:r>
+          </a:p>
+        </p:txBody>
+      </p:sp>
+      <p:sp>
+        <p:nvSpPr>
+          <p:cNvPr id="56" name="Rectangle 55">
+            <a:extLst>
+              <a:ext uri="{FF2B5EF4-FFF2-40B4-BE49-F238E27FC236}">
+                <a16:creationId xmlns:a16="http://schemas.microsoft.com/office/drawing/2014/main" id="{2527FAA5-06BA-6044-AFE1-EB1E0038B2AD}"/>
+              </a:ext>
+            </a:extLst>
+          </p:cNvPr>
+          <p:cNvSpPr/>
+          <p:nvPr/>
+        </p:nvSpPr>
+        <p:spPr>
+          <a:xfrm>
+            <a:off x="2015152" y="5921351"/>
+            <a:ext cx="963827" cy="815546"/>
+          </a:xfrm>
+          <a:prstGeom prst="rect">
+            <a:avLst/>
+          </a:prstGeom>
+        </p:spPr>
+        <p:style>
+          <a:lnRef idx="2">
+            <a:schemeClr val="accent4">
+              <a:shade val="50000"/>
+            </a:schemeClr>
+          </a:lnRef>
+          <a:fillRef idx="1">
+            <a:schemeClr val="accent4"/>
+          </a:fillRef>
+          <a:effectRef idx="0">
+            <a:schemeClr val="accent4"/>
+          </a:effectRef>
+          <a:fontRef idx="minor">
+            <a:schemeClr val="lt1"/>
+          </a:fontRef>
+        </p:style>
+        <p:txBody>
+          <a:bodyPr rtlCol="0" anchor="ctr"/>
+          <a:lstStyle/>
+          <a:p>
+            <a:pPr algn="ctr"/>
+            <a:r>
+              <a:rPr lang="en-US" b="1"/>
+              <a:t>moving.</a:t>
+            </a:r>
+            <a:br>
+              <a:rPr lang="en-US" b="1"/>
+            </a:br>
+            <a:r>
+              <a:rPr lang="en-US" b="1"/>
               <a:t>global</a:t>
             </a:r>
           </a:p>
